--- a/220207_BE_Meetings_Template_-_MoM_Vsent.pptx
+++ b/220207_BE_Meetings_Template_-_MoM_Vsent.pptx
@@ -212,7 +212,7 @@
           <a:p>
             <a:fld id="{3CA07725-9DB3-4680-A157-A790F7B5187B}" type="datetimeFigureOut">
               <a:rPr lang="en-US" smtClean="0"/>
-              <a:t>2/16/2023</a:t>
+              <a:t>9/17/2025</a:t>
             </a:fld>
             <a:endParaRPr lang="en-US"/>
           </a:p>
@@ -276,38 +276,37 @@
           <a:p>
             <a:pPr lvl="0"/>
             <a:r>
-              <a:rPr lang="en-US" smtClean="0"/>
+              <a:rPr lang="en-US"/>
               <a:t>Edit Master text styles</a:t>
             </a:r>
           </a:p>
           <a:p>
             <a:pPr lvl="1"/>
             <a:r>
-              <a:rPr lang="en-US" smtClean="0"/>
+              <a:rPr lang="en-US"/>
               <a:t>Second level</a:t>
             </a:r>
           </a:p>
           <a:p>
             <a:pPr lvl="2"/>
             <a:r>
-              <a:rPr lang="en-US" smtClean="0"/>
+              <a:rPr lang="en-US"/>
               <a:t>Third level</a:t>
             </a:r>
           </a:p>
           <a:p>
             <a:pPr lvl="3"/>
             <a:r>
-              <a:rPr lang="en-US" smtClean="0"/>
+              <a:rPr lang="en-US"/>
               <a:t>Fourth level</a:t>
             </a:r>
           </a:p>
           <a:p>
             <a:pPr lvl="4"/>
             <a:r>
-              <a:rPr lang="en-US" smtClean="0"/>
+              <a:rPr lang="en-US"/>
               <a:t>Fifth level</a:t>
             </a:r>
-            <a:endParaRPr lang="en-US"/>
           </a:p>
         </p:txBody>
       </p:sp>
@@ -950,13 +949,7 @@
             <p:nvPr/>
           </p:nvPicPr>
           <p:blipFill>
-            <a:blip r:embed="rId2">
-              <a:extLst>
-                <a:ext uri="{96DAC541-7B7A-43D3-8B79-37D633B846F1}">
-                  <asvg:svgBlip xmlns:asvg="http://schemas.microsoft.com/office/drawing/2016/SVG/main" xmlns="" r:embed="rId3"/>
-                </a:ext>
-              </a:extLst>
-            </a:blip>
+            <a:blip r:embed="rId2"/>
             <a:stretch>
               <a:fillRect/>
             </a:stretch>
@@ -986,13 +979,7 @@
             <p:nvPr/>
           </p:nvPicPr>
           <p:blipFill>
-            <a:blip r:embed="rId4">
-              <a:extLst>
-                <a:ext uri="{96DAC541-7B7A-43D3-8B79-37D633B846F1}">
-                  <asvg:svgBlip xmlns:asvg="http://schemas.microsoft.com/office/drawing/2016/SVG/main" xmlns="" r:embed="rId5"/>
-                </a:ext>
-              </a:extLst>
-            </a:blip>
+            <a:blip r:embed="rId3"/>
             <a:stretch>
               <a:fillRect/>
             </a:stretch>
@@ -1198,13 +1185,7 @@
             <p:nvPr/>
           </p:nvPicPr>
           <p:blipFill>
-            <a:blip r:embed="rId2">
-              <a:extLst>
-                <a:ext uri="{96DAC541-7B7A-43D3-8B79-37D633B846F1}">
-                  <asvg:svgBlip xmlns:asvg="http://schemas.microsoft.com/office/drawing/2016/SVG/main" xmlns="" r:embed="rId3"/>
-                </a:ext>
-              </a:extLst>
-            </a:blip>
+            <a:blip r:embed="rId2"/>
             <a:stretch>
               <a:fillRect/>
             </a:stretch>
@@ -1234,13 +1215,7 @@
             <p:nvPr/>
           </p:nvPicPr>
           <p:blipFill>
-            <a:blip r:embed="rId4">
-              <a:extLst>
-                <a:ext uri="{96DAC541-7B7A-43D3-8B79-37D633B846F1}">
-                  <asvg:svgBlip xmlns:asvg="http://schemas.microsoft.com/office/drawing/2016/SVG/main" xmlns="" r:embed="rId5"/>
-                </a:ext>
-              </a:extLst>
-            </a:blip>
+            <a:blip r:embed="rId3"/>
             <a:stretch>
               <a:fillRect/>
             </a:stretch>
@@ -1446,13 +1421,7 @@
             <p:nvPr/>
           </p:nvPicPr>
           <p:blipFill>
-            <a:blip r:embed="rId2">
-              <a:extLst>
-                <a:ext uri="{96DAC541-7B7A-43D3-8B79-37D633B846F1}">
-                  <asvg:svgBlip xmlns:asvg="http://schemas.microsoft.com/office/drawing/2016/SVG/main" xmlns="" r:embed="rId3"/>
-                </a:ext>
-              </a:extLst>
-            </a:blip>
+            <a:blip r:embed="rId2"/>
             <a:stretch>
               <a:fillRect/>
             </a:stretch>
@@ -1482,13 +1451,7 @@
             <p:nvPr/>
           </p:nvPicPr>
           <p:blipFill>
-            <a:blip r:embed="rId4">
-              <a:extLst>
-                <a:ext uri="{96DAC541-7B7A-43D3-8B79-37D633B846F1}">
-                  <asvg:svgBlip xmlns:asvg="http://schemas.microsoft.com/office/drawing/2016/SVG/main" xmlns="" r:embed="rId5"/>
-                </a:ext>
-              </a:extLst>
-            </a:blip>
+            <a:blip r:embed="rId3"/>
             <a:stretch>
               <a:fillRect/>
             </a:stretch>
@@ -4088,13 +4051,7 @@
             <p:nvPr/>
           </p:nvPicPr>
           <p:blipFill>
-            <a:blip r:embed="rId2">
-              <a:extLst>
-                <a:ext uri="{96DAC541-7B7A-43D3-8B79-37D633B846F1}">
-                  <asvg:svgBlip xmlns:asvg="http://schemas.microsoft.com/office/drawing/2016/SVG/main" xmlns="" r:embed="rId3"/>
-                </a:ext>
-              </a:extLst>
-            </a:blip>
+            <a:blip r:embed="rId2"/>
             <a:stretch>
               <a:fillRect/>
             </a:stretch>
@@ -4124,13 +4081,7 @@
             <p:nvPr/>
           </p:nvPicPr>
           <p:blipFill>
-            <a:blip r:embed="rId4">
-              <a:extLst>
-                <a:ext uri="{96DAC541-7B7A-43D3-8B79-37D633B846F1}">
-                  <asvg:svgBlip xmlns:asvg="http://schemas.microsoft.com/office/drawing/2016/SVG/main" xmlns="" r:embed="rId5"/>
-                </a:ext>
-              </a:extLst>
-            </a:blip>
+            <a:blip r:embed="rId3"/>
             <a:stretch>
               <a:fillRect/>
             </a:stretch>
@@ -4970,13 +4921,7 @@
             <p:nvPr/>
           </p:nvPicPr>
           <p:blipFill>
-            <a:blip r:embed="rId2">
-              <a:extLst>
-                <a:ext uri="{96DAC541-7B7A-43D3-8B79-37D633B846F1}">
-                  <asvg:svgBlip xmlns:asvg="http://schemas.microsoft.com/office/drawing/2016/SVG/main" xmlns="" r:embed="rId3"/>
-                </a:ext>
-              </a:extLst>
-            </a:blip>
+            <a:blip r:embed="rId2"/>
             <a:stretch>
               <a:fillRect/>
             </a:stretch>
@@ -5006,13 +4951,7 @@
             <p:nvPr/>
           </p:nvPicPr>
           <p:blipFill>
-            <a:blip r:embed="rId4">
-              <a:extLst>
-                <a:ext uri="{96DAC541-7B7A-43D3-8B79-37D633B846F1}">
-                  <asvg:svgBlip xmlns:asvg="http://schemas.microsoft.com/office/drawing/2016/SVG/main" xmlns="" r:embed="rId5"/>
-                </a:ext>
-              </a:extLst>
-            </a:blip>
+            <a:blip r:embed="rId3"/>
             <a:stretch>
               <a:fillRect/>
             </a:stretch>
@@ -7210,13 +7149,7 @@
             <p:nvPr/>
           </p:nvPicPr>
           <p:blipFill>
-            <a:blip r:embed="rId2">
-              <a:extLst>
-                <a:ext uri="{96DAC541-7B7A-43D3-8B79-37D633B846F1}">
-                  <asvg:svgBlip xmlns:asvg="http://schemas.microsoft.com/office/drawing/2016/SVG/main" xmlns="" r:embed="rId3"/>
-                </a:ext>
-              </a:extLst>
-            </a:blip>
+            <a:blip r:embed="rId2"/>
             <a:stretch>
               <a:fillRect/>
             </a:stretch>
@@ -7246,13 +7179,7 @@
             <p:nvPr/>
           </p:nvPicPr>
           <p:blipFill>
-            <a:blip r:embed="rId4">
-              <a:extLst>
-                <a:ext uri="{96DAC541-7B7A-43D3-8B79-37D633B846F1}">
-                  <asvg:svgBlip xmlns:asvg="http://schemas.microsoft.com/office/drawing/2016/SVG/main" xmlns="" r:embed="rId5"/>
-                </a:ext>
-              </a:extLst>
-            </a:blip>
+            <a:blip r:embed="rId3"/>
             <a:stretch>
               <a:fillRect/>
             </a:stretch>
@@ -7450,7 +7377,7 @@
           </p:cNvGraphicFramePr>
           <p:nvPr userDrawn="1">
             <p:custDataLst>
-              <p:tags r:id="rId2"/>
+              <p:tags r:id="rId1"/>
             </p:custDataLst>
           </p:nvPr>
         </p:nvGraphicFramePr>
@@ -7462,12 +7389,12 @@
           <a:graphicData uri="http://schemas.openxmlformats.org/presentationml/2006/ole">
             <mc:AlternateContent xmlns:mc="http://schemas.openxmlformats.org/markup-compatibility/2006">
               <mc:Choice xmlns:v="urn:schemas-microsoft-com:vml" Requires="v">
-                <p:oleObj spid="_x0000_s2107" name="think-cell Slide" r:id="rId8" imgW="360" imgH="360" progId="TCLayout.ActiveDocument.1">
+                <p:oleObj name="think-cell Slide" r:id="rId7" imgW="360" imgH="360" progId="TCLayout.ActiveDocument.1">
                   <p:embed/>
                 </p:oleObj>
               </mc:Choice>
               <mc:Fallback>
-                <p:oleObj name="think-cell Slide" r:id="rId8" imgW="360" imgH="360" progId="TCLayout.ActiveDocument.1">
+                <p:oleObj name="think-cell Slide" r:id="rId7" imgW="360" imgH="360" progId="TCLayout.ActiveDocument.1">
                   <p:embed/>
                   <p:pic>
                     <p:nvPicPr>
@@ -7478,7 +7405,7 @@
                       <p:nvPr/>
                     </p:nvPicPr>
                     <p:blipFill>
-                      <a:blip r:embed="rId9">
+                      <a:blip r:embed="rId8">
                         <a:extLst>
                           <a:ext uri="{28A0092B-C50C-407E-A947-70E740481C1C}">
                             <a14:useLocalDpi xmlns:a14="http://schemas.microsoft.com/office/drawing/2010/main" val="0"/>
@@ -7535,7 +7462,7 @@
           <p:cNvSpPr/>
           <p:nvPr userDrawn="1">
             <p:custDataLst>
-              <p:tags r:id="rId3"/>
+              <p:tags r:id="rId2"/>
             </p:custDataLst>
           </p:nvPr>
         </p:nvSpPr>
@@ -7795,7 +7722,7 @@
                 </a:solidFill>
               </a:rPr>
               <a:pPr eaLnBrk="1" hangingPunct="1"/>
-              <a:t>16 February 2023</a:t>
+              <a:t>17 September 2025</a:t>
             </a:fld>
             <a:endParaRPr lang="en-US" altLang="en-US" sz="1445" dirty="0"/>
           </a:p>
@@ -8004,7 +7931,7 @@
           <p:cNvSpPr txBox="1"/>
           <p:nvPr userDrawn="1">
             <p:custDataLst>
-              <p:tags r:id="rId4"/>
+              <p:tags r:id="rId3"/>
             </p:custDataLst>
           </p:nvPr>
         </p:nvSpPr>
@@ -8051,7 +7978,7 @@
           <p:cNvSpPr txBox="1"/>
           <p:nvPr userDrawn="1">
             <p:custDataLst>
-              <p:tags r:id="rId5"/>
+              <p:tags r:id="rId4"/>
             </p:custDataLst>
           </p:nvPr>
         </p:nvSpPr>
@@ -8095,7 +8022,7 @@
           <p:cNvSpPr txBox="1"/>
           <p:nvPr userDrawn="1">
             <p:custDataLst>
-              <p:tags r:id="rId6"/>
+              <p:tags r:id="rId5"/>
             </p:custDataLst>
           </p:nvPr>
         </p:nvSpPr>
@@ -8348,7 +8275,7 @@
           </a:lstStyle>
           <a:p>
             <a:r>
-              <a:rPr lang="en-US" smtClean="0"/>
+              <a:rPr lang="en-US"/>
               <a:t>Click to edit Master title style</a:t>
             </a:r>
             <a:endParaRPr lang="en-US" dirty="0"/>
@@ -8413,7 +8340,7 @@
           </a:lstStyle>
           <a:p>
             <a:r>
-              <a:rPr lang="en-US" smtClean="0"/>
+              <a:rPr lang="en-US"/>
               <a:t>Click to edit Master subtitle style</a:t>
             </a:r>
             <a:endParaRPr lang="en-US" dirty="0"/>
@@ -8437,7 +8364,7 @@
           <a:p>
             <a:fld id="{C764DE79-268F-4C1A-8933-263129D2AF90}" type="datetimeFigureOut">
               <a:rPr lang="en-US" smtClean="0"/>
-              <a:t>2/16/2023</a:t>
+              <a:t>9/17/2025</a:t>
             </a:fld>
             <a:endParaRPr lang="en-US" dirty="0"/>
           </a:p>
@@ -8531,7 +8458,7 @@
           <a:lstStyle/>
           <a:p>
             <a:r>
-              <a:rPr lang="en-US" smtClean="0"/>
+              <a:rPr lang="en-US"/>
               <a:t>Click to edit Master title style</a:t>
             </a:r>
             <a:endParaRPr lang="en-US" dirty="0"/>
@@ -8555,35 +8482,35 @@
           <a:p>
             <a:pPr lvl="0"/>
             <a:r>
-              <a:rPr lang="en-US" smtClean="0"/>
+              <a:rPr lang="en-US"/>
               <a:t>Edit Master text styles</a:t>
             </a:r>
           </a:p>
           <a:p>
             <a:pPr lvl="1"/>
             <a:r>
-              <a:rPr lang="en-US" smtClean="0"/>
+              <a:rPr lang="en-US"/>
               <a:t>Second level</a:t>
             </a:r>
           </a:p>
           <a:p>
             <a:pPr lvl="2"/>
             <a:r>
-              <a:rPr lang="en-US" smtClean="0"/>
+              <a:rPr lang="en-US"/>
               <a:t>Third level</a:t>
             </a:r>
           </a:p>
           <a:p>
             <a:pPr lvl="3"/>
             <a:r>
-              <a:rPr lang="en-US" smtClean="0"/>
+              <a:rPr lang="en-US"/>
               <a:t>Fourth level</a:t>
             </a:r>
           </a:p>
           <a:p>
             <a:pPr lvl="4"/>
             <a:r>
-              <a:rPr lang="en-US" smtClean="0"/>
+              <a:rPr lang="en-US"/>
               <a:t>Fifth level</a:t>
             </a:r>
             <a:endParaRPr lang="en-US" dirty="0"/>
@@ -8607,7 +8534,7 @@
           <a:p>
             <a:fld id="{C764DE79-268F-4C1A-8933-263129D2AF90}" type="datetimeFigureOut">
               <a:rPr lang="en-US" smtClean="0"/>
-              <a:t>2/16/2023</a:t>
+              <a:t>9/17/2025</a:t>
             </a:fld>
             <a:endParaRPr lang="en-US" dirty="0"/>
           </a:p>
@@ -8807,13 +8734,7 @@
             <p:nvPr/>
           </p:nvPicPr>
           <p:blipFill>
-            <a:blip r:embed="rId2">
-              <a:extLst>
-                <a:ext uri="{96DAC541-7B7A-43D3-8B79-37D633B846F1}">
-                  <asvg:svgBlip xmlns:asvg="http://schemas.microsoft.com/office/drawing/2016/SVG/main" xmlns="" r:embed="rId3"/>
-                </a:ext>
-              </a:extLst>
-            </a:blip>
+            <a:blip r:embed="rId2"/>
             <a:stretch>
               <a:fillRect/>
             </a:stretch>
@@ -8843,13 +8764,7 @@
             <p:nvPr/>
           </p:nvPicPr>
           <p:blipFill>
-            <a:blip r:embed="rId4">
-              <a:extLst>
-                <a:ext uri="{96DAC541-7B7A-43D3-8B79-37D633B846F1}">
-                  <asvg:svgBlip xmlns:asvg="http://schemas.microsoft.com/office/drawing/2016/SVG/main" xmlns="" r:embed="rId5"/>
-                </a:ext>
-              </a:extLst>
-            </a:blip>
+            <a:blip r:embed="rId3"/>
             <a:stretch>
               <a:fillRect/>
             </a:stretch>
@@ -8920,7 +8835,7 @@
           </a:lstStyle>
           <a:p>
             <a:r>
-              <a:rPr lang="en-US" smtClean="0"/>
+              <a:rPr lang="en-US"/>
               <a:t>Click to edit Master title style</a:t>
             </a:r>
             <a:endParaRPr lang="en-US" dirty="0"/>
@@ -9038,7 +8953,7 @@
           <a:p>
             <a:pPr lvl="0"/>
             <a:r>
-              <a:rPr lang="en-US" smtClean="0"/>
+              <a:rPr lang="en-US"/>
               <a:t>Edit Master text styles</a:t>
             </a:r>
           </a:p>
@@ -9061,7 +8976,7 @@
           <a:p>
             <a:fld id="{C764DE79-268F-4C1A-8933-263129D2AF90}" type="datetimeFigureOut">
               <a:rPr lang="en-US" smtClean="0"/>
-              <a:t>2/16/2023</a:t>
+              <a:t>9/17/2025</a:t>
             </a:fld>
             <a:endParaRPr lang="en-US" dirty="0"/>
           </a:p>
@@ -9155,7 +9070,7 @@
           <a:lstStyle/>
           <a:p>
             <a:r>
-              <a:rPr lang="en-US" smtClean="0"/>
+              <a:rPr lang="en-US"/>
               <a:t>Click to edit Master title style</a:t>
             </a:r>
             <a:endParaRPr lang="en-US" dirty="0"/>
@@ -9184,35 +9099,35 @@
           <a:p>
             <a:pPr lvl="0"/>
             <a:r>
-              <a:rPr lang="en-US" smtClean="0"/>
+              <a:rPr lang="en-US"/>
               <a:t>Edit Master text styles</a:t>
             </a:r>
           </a:p>
           <a:p>
             <a:pPr lvl="1"/>
             <a:r>
-              <a:rPr lang="en-US" smtClean="0"/>
+              <a:rPr lang="en-US"/>
               <a:t>Second level</a:t>
             </a:r>
           </a:p>
           <a:p>
             <a:pPr lvl="2"/>
             <a:r>
-              <a:rPr lang="en-US" smtClean="0"/>
+              <a:rPr lang="en-US"/>
               <a:t>Third level</a:t>
             </a:r>
           </a:p>
           <a:p>
             <a:pPr lvl="3"/>
             <a:r>
-              <a:rPr lang="en-US" smtClean="0"/>
+              <a:rPr lang="en-US"/>
               <a:t>Fourth level</a:t>
             </a:r>
           </a:p>
           <a:p>
             <a:pPr lvl="4"/>
             <a:r>
-              <a:rPr lang="en-US" smtClean="0"/>
+              <a:rPr lang="en-US"/>
               <a:t>Fifth level</a:t>
             </a:r>
             <a:endParaRPr lang="en-US" dirty="0"/>
@@ -9241,35 +9156,35 @@
           <a:p>
             <a:pPr lvl="0"/>
             <a:r>
-              <a:rPr lang="en-US" smtClean="0"/>
+              <a:rPr lang="en-US"/>
               <a:t>Edit Master text styles</a:t>
             </a:r>
           </a:p>
           <a:p>
             <a:pPr lvl="1"/>
             <a:r>
-              <a:rPr lang="en-US" smtClean="0"/>
+              <a:rPr lang="en-US"/>
               <a:t>Second level</a:t>
             </a:r>
           </a:p>
           <a:p>
             <a:pPr lvl="2"/>
             <a:r>
-              <a:rPr lang="en-US" smtClean="0"/>
+              <a:rPr lang="en-US"/>
               <a:t>Third level</a:t>
             </a:r>
           </a:p>
           <a:p>
             <a:pPr lvl="3"/>
             <a:r>
-              <a:rPr lang="en-US" smtClean="0"/>
+              <a:rPr lang="en-US"/>
               <a:t>Fourth level</a:t>
             </a:r>
           </a:p>
           <a:p>
             <a:pPr lvl="4"/>
             <a:r>
-              <a:rPr lang="en-US" smtClean="0"/>
+              <a:rPr lang="en-US"/>
               <a:t>Fifth level</a:t>
             </a:r>
             <a:endParaRPr lang="en-US" dirty="0"/>
@@ -9293,7 +9208,7 @@
           <a:p>
             <a:fld id="{C764DE79-268F-4C1A-8933-263129D2AF90}" type="datetimeFigureOut">
               <a:rPr lang="en-US" smtClean="0"/>
-              <a:t>2/16/2023</a:t>
+              <a:t>9/17/2025</a:t>
             </a:fld>
             <a:endParaRPr lang="en-US" dirty="0"/>
           </a:p>
@@ -9392,7 +9307,7 @@
           <a:lstStyle/>
           <a:p>
             <a:r>
-              <a:rPr lang="en-US" smtClean="0"/>
+              <a:rPr lang="en-US"/>
               <a:t>Click to edit Master title style</a:t>
             </a:r>
             <a:endParaRPr lang="en-US" dirty="0"/>
@@ -9458,7 +9373,7 @@
           <a:p>
             <a:pPr lvl="0"/>
             <a:r>
-              <a:rPr lang="en-US" smtClean="0"/>
+              <a:rPr lang="en-US"/>
               <a:t>Edit Master text styles</a:t>
             </a:r>
           </a:p>
@@ -9486,35 +9401,35 @@
           <a:p>
             <a:pPr lvl="0"/>
             <a:r>
-              <a:rPr lang="en-US" smtClean="0"/>
+              <a:rPr lang="en-US"/>
               <a:t>Edit Master text styles</a:t>
             </a:r>
           </a:p>
           <a:p>
             <a:pPr lvl="1"/>
             <a:r>
-              <a:rPr lang="en-US" smtClean="0"/>
+              <a:rPr lang="en-US"/>
               <a:t>Second level</a:t>
             </a:r>
           </a:p>
           <a:p>
             <a:pPr lvl="2"/>
             <a:r>
-              <a:rPr lang="en-US" smtClean="0"/>
+              <a:rPr lang="en-US"/>
               <a:t>Third level</a:t>
             </a:r>
           </a:p>
           <a:p>
             <a:pPr lvl="3"/>
             <a:r>
-              <a:rPr lang="en-US" smtClean="0"/>
+              <a:rPr lang="en-US"/>
               <a:t>Fourth level</a:t>
             </a:r>
           </a:p>
           <a:p>
             <a:pPr lvl="4"/>
             <a:r>
-              <a:rPr lang="en-US" smtClean="0"/>
+              <a:rPr lang="en-US"/>
               <a:t>Fifth level</a:t>
             </a:r>
             <a:endParaRPr lang="en-US" dirty="0"/>
@@ -9580,7 +9495,7 @@
           <a:p>
             <a:pPr lvl="0"/>
             <a:r>
-              <a:rPr lang="en-US" smtClean="0"/>
+              <a:rPr lang="en-US"/>
               <a:t>Edit Master text styles</a:t>
             </a:r>
           </a:p>
@@ -9608,35 +9523,35 @@
           <a:p>
             <a:pPr lvl="0"/>
             <a:r>
-              <a:rPr lang="en-US" smtClean="0"/>
+              <a:rPr lang="en-US"/>
               <a:t>Edit Master text styles</a:t>
             </a:r>
           </a:p>
           <a:p>
             <a:pPr lvl="1"/>
             <a:r>
-              <a:rPr lang="en-US" smtClean="0"/>
+              <a:rPr lang="en-US"/>
               <a:t>Second level</a:t>
             </a:r>
           </a:p>
           <a:p>
             <a:pPr lvl="2"/>
             <a:r>
-              <a:rPr lang="en-US" smtClean="0"/>
+              <a:rPr lang="en-US"/>
               <a:t>Third level</a:t>
             </a:r>
           </a:p>
           <a:p>
             <a:pPr lvl="3"/>
             <a:r>
-              <a:rPr lang="en-US" smtClean="0"/>
+              <a:rPr lang="en-US"/>
               <a:t>Fourth level</a:t>
             </a:r>
           </a:p>
           <a:p>
             <a:pPr lvl="4"/>
             <a:r>
-              <a:rPr lang="en-US" smtClean="0"/>
+              <a:rPr lang="en-US"/>
               <a:t>Fifth level</a:t>
             </a:r>
             <a:endParaRPr lang="en-US" dirty="0"/>
@@ -9660,7 +9575,7 @@
           <a:p>
             <a:fld id="{C764DE79-268F-4C1A-8933-263129D2AF90}" type="datetimeFigureOut">
               <a:rPr lang="en-US" smtClean="0"/>
-              <a:t>2/16/2023</a:t>
+              <a:t>9/17/2025</a:t>
             </a:fld>
             <a:endParaRPr lang="en-US" dirty="0"/>
           </a:p>
@@ -9754,7 +9669,7 @@
           <a:lstStyle/>
           <a:p>
             <a:r>
-              <a:rPr lang="en-US" smtClean="0"/>
+              <a:rPr lang="en-US"/>
               <a:t>Click to edit Master title style</a:t>
             </a:r>
             <a:endParaRPr lang="en-US" dirty="0"/>
@@ -9778,7 +9693,7 @@
           <a:p>
             <a:fld id="{C764DE79-268F-4C1A-8933-263129D2AF90}" type="datetimeFigureOut">
               <a:rPr lang="en-US" smtClean="0"/>
-              <a:t>2/16/2023</a:t>
+              <a:t>9/17/2025</a:t>
             </a:fld>
             <a:endParaRPr lang="en-US" dirty="0"/>
           </a:p>
@@ -9873,7 +9788,7 @@
           <a:p>
             <a:fld id="{C764DE79-268F-4C1A-8933-263129D2AF90}" type="datetimeFigureOut">
               <a:rPr lang="en-US" smtClean="0"/>
-              <a:t>2/16/2023</a:t>
+              <a:t>9/17/2025</a:t>
             </a:fld>
             <a:endParaRPr lang="en-US" dirty="0"/>
           </a:p>
@@ -9976,7 +9891,7 @@
           </a:lstStyle>
           <a:p>
             <a:r>
-              <a:rPr lang="en-US" smtClean="0"/>
+              <a:rPr lang="en-US"/>
               <a:t>Click to edit Master title style</a:t>
             </a:r>
             <a:endParaRPr lang="en-US" dirty="0"/>
@@ -10033,35 +9948,35 @@
           <a:p>
             <a:pPr lvl="0"/>
             <a:r>
-              <a:rPr lang="en-US" smtClean="0"/>
+              <a:rPr lang="en-US"/>
               <a:t>Edit Master text styles</a:t>
             </a:r>
           </a:p>
           <a:p>
             <a:pPr lvl="1"/>
             <a:r>
-              <a:rPr lang="en-US" smtClean="0"/>
+              <a:rPr lang="en-US"/>
               <a:t>Second level</a:t>
             </a:r>
           </a:p>
           <a:p>
             <a:pPr lvl="2"/>
             <a:r>
-              <a:rPr lang="en-US" smtClean="0"/>
+              <a:rPr lang="en-US"/>
               <a:t>Third level</a:t>
             </a:r>
           </a:p>
           <a:p>
             <a:pPr lvl="3"/>
             <a:r>
-              <a:rPr lang="en-US" smtClean="0"/>
+              <a:rPr lang="en-US"/>
               <a:t>Fourth level</a:t>
             </a:r>
           </a:p>
           <a:p>
             <a:pPr lvl="4"/>
             <a:r>
-              <a:rPr lang="en-US" smtClean="0"/>
+              <a:rPr lang="en-US"/>
               <a:t>Fifth level</a:t>
             </a:r>
             <a:endParaRPr lang="en-US" dirty="0"/>
@@ -10127,7 +10042,7 @@
           <a:p>
             <a:pPr lvl="0"/>
             <a:r>
-              <a:rPr lang="en-US" smtClean="0"/>
+              <a:rPr lang="en-US"/>
               <a:t>Edit Master text styles</a:t>
             </a:r>
           </a:p>
@@ -10150,7 +10065,7 @@
           <a:p>
             <a:fld id="{C764DE79-268F-4C1A-8933-263129D2AF90}" type="datetimeFigureOut">
               <a:rPr lang="en-US" smtClean="0"/>
-              <a:t>2/16/2023</a:t>
+              <a:t>9/17/2025</a:t>
             </a:fld>
             <a:endParaRPr lang="en-US" dirty="0"/>
           </a:p>
@@ -10253,7 +10168,7 @@
           </a:lstStyle>
           <a:p>
             <a:r>
-              <a:rPr lang="en-US" smtClean="0"/>
+              <a:rPr lang="en-US"/>
               <a:t>Click to edit Master title style</a:t>
             </a:r>
             <a:endParaRPr lang="en-US" dirty="0"/>
@@ -10318,7 +10233,7 @@
           </a:lstStyle>
           <a:p>
             <a:r>
-              <a:rPr lang="en-US" smtClean="0"/>
+              <a:rPr lang="en-US"/>
               <a:t>Click icon to add picture</a:t>
             </a:r>
             <a:endParaRPr lang="en-US" dirty="0"/>
@@ -10384,7 +10299,7 @@
           <a:p>
             <a:pPr lvl="0"/>
             <a:r>
-              <a:rPr lang="en-US" smtClean="0"/>
+              <a:rPr lang="en-US"/>
               <a:t>Edit Master text styles</a:t>
             </a:r>
           </a:p>
@@ -10407,7 +10322,7 @@
           <a:p>
             <a:fld id="{C764DE79-268F-4C1A-8933-263129D2AF90}" type="datetimeFigureOut">
               <a:rPr lang="en-US" smtClean="0"/>
-              <a:t>2/16/2023</a:t>
+              <a:t>9/17/2025</a:t>
             </a:fld>
             <a:endParaRPr lang="en-US" dirty="0"/>
           </a:p>
@@ -10501,7 +10416,7 @@
           <a:lstStyle/>
           <a:p>
             <a:r>
-              <a:rPr lang="en-US" smtClean="0"/>
+              <a:rPr lang="en-US"/>
               <a:t>Click to edit Master title style</a:t>
             </a:r>
             <a:endParaRPr lang="en-US" dirty="0"/>
@@ -10525,35 +10440,35 @@
           <a:p>
             <a:pPr lvl="0"/>
             <a:r>
-              <a:rPr lang="en-US" smtClean="0"/>
+              <a:rPr lang="en-US"/>
               <a:t>Edit Master text styles</a:t>
             </a:r>
           </a:p>
           <a:p>
             <a:pPr lvl="1"/>
             <a:r>
-              <a:rPr lang="en-US" smtClean="0"/>
+              <a:rPr lang="en-US"/>
               <a:t>Second level</a:t>
             </a:r>
           </a:p>
           <a:p>
             <a:pPr lvl="2"/>
             <a:r>
-              <a:rPr lang="en-US" smtClean="0"/>
+              <a:rPr lang="en-US"/>
               <a:t>Third level</a:t>
             </a:r>
           </a:p>
           <a:p>
             <a:pPr lvl="3"/>
             <a:r>
-              <a:rPr lang="en-US" smtClean="0"/>
+              <a:rPr lang="en-US"/>
               <a:t>Fourth level</a:t>
             </a:r>
           </a:p>
           <a:p>
             <a:pPr lvl="4"/>
             <a:r>
-              <a:rPr lang="en-US" smtClean="0"/>
+              <a:rPr lang="en-US"/>
               <a:t>Fifth level</a:t>
             </a:r>
             <a:endParaRPr lang="en-US" dirty="0"/>
@@ -10577,7 +10492,7 @@
           <a:p>
             <a:fld id="{C764DE79-268F-4C1A-8933-263129D2AF90}" type="datetimeFigureOut">
               <a:rPr lang="en-US" smtClean="0"/>
-              <a:t>2/16/2023</a:t>
+              <a:t>9/17/2025</a:t>
             </a:fld>
             <a:endParaRPr lang="en-US" dirty="0"/>
           </a:p>
@@ -10676,7 +10591,7 @@
           <a:lstStyle/>
           <a:p>
             <a:r>
-              <a:rPr lang="en-US" smtClean="0"/>
+              <a:rPr lang="en-US"/>
               <a:t>Click to edit Master title style</a:t>
             </a:r>
             <a:endParaRPr lang="en-US" dirty="0"/>
@@ -10705,35 +10620,35 @@
           <a:p>
             <a:pPr lvl="0"/>
             <a:r>
-              <a:rPr lang="en-US" smtClean="0"/>
+              <a:rPr lang="en-US"/>
               <a:t>Edit Master text styles</a:t>
             </a:r>
           </a:p>
           <a:p>
             <a:pPr lvl="1"/>
             <a:r>
-              <a:rPr lang="en-US" smtClean="0"/>
+              <a:rPr lang="en-US"/>
               <a:t>Second level</a:t>
             </a:r>
           </a:p>
           <a:p>
             <a:pPr lvl="2"/>
             <a:r>
-              <a:rPr lang="en-US" smtClean="0"/>
+              <a:rPr lang="en-US"/>
               <a:t>Third level</a:t>
             </a:r>
           </a:p>
           <a:p>
             <a:pPr lvl="3"/>
             <a:r>
-              <a:rPr lang="en-US" smtClean="0"/>
+              <a:rPr lang="en-US"/>
               <a:t>Fourth level</a:t>
             </a:r>
           </a:p>
           <a:p>
             <a:pPr lvl="4"/>
             <a:r>
-              <a:rPr lang="en-US" smtClean="0"/>
+              <a:rPr lang="en-US"/>
               <a:t>Fifth level</a:t>
             </a:r>
             <a:endParaRPr lang="en-US" dirty="0"/>
@@ -10757,7 +10672,7 @@
           <a:p>
             <a:fld id="{C764DE79-268F-4C1A-8933-263129D2AF90}" type="datetimeFigureOut">
               <a:rPr lang="en-US" smtClean="0"/>
-              <a:t>2/16/2023</a:t>
+              <a:t>9/17/2025</a:t>
             </a:fld>
             <a:endParaRPr lang="en-US" dirty="0"/>
           </a:p>
@@ -11014,13 +10929,7 @@
             <p:nvPr/>
           </p:nvPicPr>
           <p:blipFill>
-            <a:blip r:embed="rId2">
-              <a:extLst>
-                <a:ext uri="{96DAC541-7B7A-43D3-8B79-37D633B846F1}">
-                  <asvg:svgBlip xmlns:asvg="http://schemas.microsoft.com/office/drawing/2016/SVG/main" xmlns="" r:embed="rId3"/>
-                </a:ext>
-              </a:extLst>
-            </a:blip>
+            <a:blip r:embed="rId2"/>
             <a:stretch>
               <a:fillRect/>
             </a:stretch>
@@ -11050,13 +10959,7 @@
             <p:nvPr/>
           </p:nvPicPr>
           <p:blipFill>
-            <a:blip r:embed="rId4">
-              <a:extLst>
-                <a:ext uri="{96DAC541-7B7A-43D3-8B79-37D633B846F1}">
-                  <asvg:svgBlip xmlns:asvg="http://schemas.microsoft.com/office/drawing/2016/SVG/main" xmlns="" r:embed="rId5"/>
-                </a:ext>
-              </a:extLst>
-            </a:blip>
+            <a:blip r:embed="rId3"/>
             <a:stretch>
               <a:fillRect/>
             </a:stretch>
@@ -13442,9 +13345,8 @@
           </p:cNvGraphicFramePr>
           <p:nvPr userDrawn="1">
             <p:custDataLst>
-              <p:tags r:id="rId30"/>
+              <p:tags r:id="rId29"/>
             </p:custDataLst>
-            <p:extLst/>
           </p:nvPr>
         </p:nvGraphicFramePr>
         <p:xfrm>
@@ -13455,12 +13357,12 @@
           <a:graphicData uri="http://schemas.openxmlformats.org/presentationml/2006/ole">
             <mc:AlternateContent xmlns:mc="http://schemas.openxmlformats.org/markup-compatibility/2006">
               <mc:Choice xmlns:v="urn:schemas-microsoft-com:vml" Requires="v">
-                <p:oleObj spid="_x0000_s1083" name="think-cell Slide" r:id="rId32" imgW="395" imgH="396" progId="TCLayout.ActiveDocument.1">
+                <p:oleObj name="think-cell Slide" r:id="rId31" imgW="395" imgH="396" progId="TCLayout.ActiveDocument.1">
                   <p:embed/>
                 </p:oleObj>
               </mc:Choice>
               <mc:Fallback>
-                <p:oleObj name="think-cell Slide" r:id="rId32" imgW="395" imgH="396" progId="TCLayout.ActiveDocument.1">
+                <p:oleObj name="think-cell Slide" r:id="rId31" imgW="395" imgH="396" progId="TCLayout.ActiveDocument.1">
                   <p:embed/>
                   <p:pic>
                     <p:nvPicPr>
@@ -13469,7 +13371,7 @@
                       <p:nvPr/>
                     </p:nvPicPr>
                     <p:blipFill>
-                      <a:blip r:embed="rId33"/>
+                      <a:blip r:embed="rId32"/>
                       <a:stretch>
                         <a:fillRect/>
                       </a:stretch>
@@ -13496,7 +13398,7 @@
           <p:cNvSpPr/>
           <p:nvPr userDrawn="1">
             <p:custDataLst>
-              <p:tags r:id="rId31"/>
+              <p:tags r:id="rId30"/>
             </p:custDataLst>
           </p:nvPr>
         </p:nvSpPr>
@@ -13683,7 +13585,7 @@
               </a:spcAft>
             </a:pPr>
             <a:r>
-              <a:rPr lang="en-US" sz="1100" smtClean="0">
+              <a:rPr lang="en-US" sz="1100">
                 <a:solidFill>
                   <a:srgbClr val="5C2D91"/>
                 </a:solidFill>
@@ -13691,12 +13593,6 @@
               </a:rPr>
               <a:t>This message/document has been classified as “Internal”</a:t>
             </a:r>
-            <a:endParaRPr lang="en-US" sz="1100">
-              <a:solidFill>
-                <a:srgbClr val="5C2D91"/>
-              </a:solidFill>
-              <a:latin typeface="Calibri" panose="020F0502020204030204" pitchFamily="34" charset="0"/>
-            </a:endParaRPr>
           </a:p>
         </p:txBody>
       </p:sp>
@@ -14068,7 +13964,7 @@
           <a:lstStyle/>
           <a:p>
             <a:r>
-              <a:rPr lang="en-US" smtClean="0"/>
+              <a:rPr lang="en-US"/>
               <a:t>Click to edit Master title style</a:t>
             </a:r>
             <a:endParaRPr lang="en-US" dirty="0"/>
@@ -14102,35 +13998,35 @@
           <a:p>
             <a:pPr lvl="0"/>
             <a:r>
-              <a:rPr lang="en-US" smtClean="0"/>
+              <a:rPr lang="en-US"/>
               <a:t>Edit Master text styles</a:t>
             </a:r>
           </a:p>
           <a:p>
             <a:pPr lvl="1"/>
             <a:r>
-              <a:rPr lang="en-US" smtClean="0"/>
+              <a:rPr lang="en-US"/>
               <a:t>Second level</a:t>
             </a:r>
           </a:p>
           <a:p>
             <a:pPr lvl="2"/>
             <a:r>
-              <a:rPr lang="en-US" smtClean="0"/>
+              <a:rPr lang="en-US"/>
               <a:t>Third level</a:t>
             </a:r>
           </a:p>
           <a:p>
             <a:pPr lvl="3"/>
             <a:r>
-              <a:rPr lang="en-US" smtClean="0"/>
+              <a:rPr lang="en-US"/>
               <a:t>Fourth level</a:t>
             </a:r>
           </a:p>
           <a:p>
             <a:pPr lvl="4"/>
             <a:r>
-              <a:rPr lang="en-US" smtClean="0"/>
+              <a:rPr lang="en-US"/>
               <a:t>Fifth level</a:t>
             </a:r>
             <a:endParaRPr lang="en-US" dirty="0"/>
@@ -14172,7 +14068,7 @@
           <a:p>
             <a:fld id="{C764DE79-268F-4C1A-8933-263129D2AF90}" type="datetimeFigureOut">
               <a:rPr lang="en-US" dirty="0"/>
-              <a:t>2/16/2023</a:t>
+              <a:t>9/17/2025</a:t>
             </a:fld>
             <a:endParaRPr lang="en-US" dirty="0"/>
           </a:p>
@@ -14264,7 +14160,7 @@
           </p:cNvGraphicFramePr>
           <p:nvPr userDrawn="1">
             <p:custDataLst>
-              <p:tags r:id="rId15"/>
+              <p:tags r:id="rId14"/>
             </p:custDataLst>
             <p:extLst>
               <p:ext uri="{D42A27DB-BD31-4B8C-83A1-F6EECF244321}">
@@ -14281,12 +14177,12 @@
           <a:graphicData uri="http://schemas.openxmlformats.org/presentationml/2006/ole">
             <mc:AlternateContent xmlns:mc="http://schemas.openxmlformats.org/markup-compatibility/2006">
               <mc:Choice xmlns:v="urn:schemas-microsoft-com:vml" Requires="v">
-                <p:oleObj spid="_x0000_s11285" name="think-cell Slide" r:id="rId17" imgW="395" imgH="396" progId="TCLayout.ActiveDocument.1">
+                <p:oleObj name="think-cell Slide" r:id="rId16" imgW="395" imgH="396" progId="TCLayout.ActiveDocument.1">
                   <p:embed/>
                 </p:oleObj>
               </mc:Choice>
               <mc:Fallback>
-                <p:oleObj name="think-cell Slide" r:id="rId17" imgW="395" imgH="396" progId="TCLayout.ActiveDocument.1">
+                <p:oleObj name="think-cell Slide" r:id="rId16" imgW="395" imgH="396" progId="TCLayout.ActiveDocument.1">
                   <p:embed/>
                   <p:pic>
                     <p:nvPicPr>
@@ -14295,7 +14191,7 @@
                       <p:nvPr/>
                     </p:nvPicPr>
                     <p:blipFill>
-                      <a:blip r:embed="rId18"/>
+                      <a:blip r:embed="rId17"/>
                       <a:stretch>
                         <a:fillRect/>
                       </a:stretch>
@@ -14322,7 +14218,7 @@
           <p:cNvSpPr/>
           <p:nvPr userDrawn="1">
             <p:custDataLst>
-              <p:tags r:id="rId16"/>
+              <p:tags r:id="rId15"/>
             </p:custDataLst>
           </p:nvPr>
         </p:nvSpPr>
@@ -14404,7 +14300,7 @@
               </a:spcAft>
             </a:pPr>
             <a:r>
-              <a:rPr lang="en-US" sz="1100" smtClean="0">
+              <a:rPr lang="en-US" sz="1100">
                 <a:solidFill>
                   <a:srgbClr val="5C2D91"/>
                 </a:solidFill>
@@ -14412,12 +14308,6 @@
               </a:rPr>
               <a:t>This message/document has been classified as “Internal”</a:t>
             </a:r>
-            <a:endParaRPr lang="en-US" sz="1100">
-              <a:solidFill>
-                <a:srgbClr val="5C2D91"/>
-              </a:solidFill>
-              <a:latin typeface="Calibri" panose="020F0502020204030204" pitchFamily="34" charset="0"/>
-            </a:endParaRPr>
           </a:p>
         </p:txBody>
       </p:sp>
@@ -14751,7 +14641,7 @@
           </p:cNvGraphicFramePr>
           <p:nvPr>
             <p:custDataLst>
-              <p:tags r:id="rId2"/>
+              <p:tags r:id="rId1"/>
             </p:custDataLst>
             <p:extLst>
               <p:ext uri="{D42A27DB-BD31-4B8C-83A1-F6EECF244321}">
@@ -14768,12 +14658,12 @@
           <a:graphicData uri="http://schemas.openxmlformats.org/presentationml/2006/ole">
             <mc:AlternateContent xmlns:mc="http://schemas.openxmlformats.org/markup-compatibility/2006">
               <mc:Choice xmlns:v="urn:schemas-microsoft-com:vml" Requires="v">
-                <p:oleObj spid="_x0000_s6210" name="think-cell Slide" r:id="rId5" imgW="395" imgH="394" progId="TCLayout.ActiveDocument.1">
+                <p:oleObj name="think-cell Slide" r:id="rId4" imgW="395" imgH="394" progId="TCLayout.ActiveDocument.1">
                   <p:embed/>
                 </p:oleObj>
               </mc:Choice>
               <mc:Fallback>
-                <p:oleObj name="think-cell Slide" r:id="rId5" imgW="395" imgH="394" progId="TCLayout.ActiveDocument.1">
+                <p:oleObj name="think-cell Slide" r:id="rId4" imgW="395" imgH="394" progId="TCLayout.ActiveDocument.1">
                   <p:embed/>
                   <p:pic>
                     <p:nvPicPr>
@@ -14782,7 +14672,7 @@
                       <p:nvPr/>
                     </p:nvPicPr>
                     <p:blipFill>
-                      <a:blip r:embed="rId6"/>
+                      <a:blip r:embed="rId5"/>
                       <a:stretch>
                         <a:fillRect/>
                       </a:stretch>
@@ -14848,47 +14738,14 @@
               <a:defRPr/>
             </a:pPr>
             <a:r>
-              <a:rPr lang="en-GB" sz="1600" b="1" dirty="0" smtClean="0">
-                <a:solidFill>
-                  <a:srgbClr val="FFFFFF"/>
-                </a:solidFill>
-                <a:latin typeface="Arial"/>
-              </a:rPr>
-              <a:t>BE </a:t>
-            </a:r>
-            <a:r>
-              <a:rPr lang="en-GB" sz="1600" b="1" dirty="0" err="1">
-                <a:solidFill>
-                  <a:srgbClr val="FFFFFF"/>
-                </a:solidFill>
-                <a:latin typeface="Arial"/>
-              </a:rPr>
-              <a:t>MoM</a:t>
-            </a:r>
-            <a:r>
               <a:rPr lang="en-GB" sz="1600" b="1" dirty="0">
                 <a:solidFill>
                   <a:srgbClr val="FFFFFF"/>
                 </a:solidFill>
                 <a:latin typeface="Arial"/>
               </a:rPr>
-              <a:t> – </a:t>
-            </a:r>
-            <a:r>
-              <a:rPr lang="en-GB" sz="1600" b="1" smtClean="0">
-                <a:solidFill>
-                  <a:srgbClr val="FFFFFF"/>
-                </a:solidFill>
-                <a:latin typeface="Arial"/>
-              </a:rPr>
-              <a:t>Management Meeting</a:t>
-            </a:r>
-            <a:endParaRPr lang="en-GB" sz="1600" b="1" dirty="0">
-              <a:solidFill>
-                <a:srgbClr val="FFFFFF"/>
-              </a:solidFill>
-              <a:latin typeface="Arial"/>
-            </a:endParaRPr>
+              <a:t>Weekly Meeting</a:t>
+            </a:r>
           </a:p>
         </p:txBody>
       </p:sp>
@@ -14960,7 +14817,7 @@
           <p:nvPr/>
         </p:nvPicPr>
         <p:blipFill>
-          <a:blip r:embed="rId7" cstate="print">
+          <a:blip r:embed="rId6" cstate="print">
             <a:extLst>
               <a:ext uri="{28A0092B-C50C-407E-A947-70E740481C1C}">
                 <a14:useLocalDpi xmlns:a14="http://schemas.microsoft.com/office/drawing/2010/main" val="0"/>
@@ -15251,60 +15108,10 @@
           </a:bodyPr>
           <a:lstStyle/>
           <a:p>
-            <a:endParaRPr lang="en-US" sz="1001" b="1" dirty="0" smtClean="0">
+            <a:endParaRPr lang="en-US" sz="1001" b="1" dirty="0">
               <a:solidFill>
                 <a:schemeClr val="tx1"/>
               </a:solidFill>
-            </a:endParaRPr>
-          </a:p>
-          <a:p>
-            <a:r>
-              <a:rPr lang="en-US" sz="1001" b="1" dirty="0" smtClean="0">
-                <a:solidFill>
-                  <a:schemeClr val="tx1"/>
-                </a:solidFill>
-              </a:rPr>
-              <a:t>Primary</a:t>
-            </a:r>
-            <a:r>
-              <a:rPr lang="en-US" sz="1001" b="1" dirty="0">
-                <a:solidFill>
-                  <a:schemeClr val="tx1"/>
-                </a:solidFill>
-              </a:rPr>
-              <a:t>: </a:t>
-            </a:r>
-            <a:r>
-              <a:rPr lang="en-US" sz="1001" dirty="0">
-                <a:solidFill>
-                  <a:schemeClr val="tx1"/>
-                </a:solidFill>
-              </a:rPr>
-              <a:t> </a:t>
-            </a:r>
-          </a:p>
-          <a:p>
-            <a:r>
-              <a:rPr lang="en-US" sz="1001" b="1" dirty="0">
-                <a:solidFill>
-                  <a:schemeClr val="tx1"/>
-                </a:solidFill>
-              </a:rPr>
-              <a:t>Other</a:t>
-            </a:r>
-            <a:r>
-              <a:rPr lang="en-US" sz="1001" b="1" dirty="0" smtClean="0">
-                <a:solidFill>
-                  <a:schemeClr val="tx1"/>
-                </a:solidFill>
-              </a:rPr>
-              <a:t>:</a:t>
-            </a:r>
-            <a:endParaRPr lang="en-US" sz="1001" dirty="0">
-              <a:solidFill>
-                <a:schemeClr val="tx1"/>
-              </a:solidFill>
-              <a:latin typeface="Arial"/>
             </a:endParaRPr>
           </a:p>
         </p:txBody>
@@ -15544,8 +15351,8 @@
         </p:nvSpPr>
         <p:spPr>
           <a:xfrm>
-            <a:off x="2065299" y="1502562"/>
-            <a:ext cx="2640712" cy="261610"/>
+            <a:off x="2065298" y="1502562"/>
+            <a:ext cx="4727389" cy="938719"/>
           </a:xfrm>
           <a:prstGeom prst="rect">
             <a:avLst/>
@@ -15576,6 +15383,99 @@
                 <a:latin typeface="Arial"/>
               </a:rPr>
               <a:t>: </a:t>
+            </a:r>
+          </a:p>
+          <a:p>
+            <a:pPr defTabSz="1321012"/>
+            <a:endParaRPr lang="en-US" sz="1100" dirty="0">
+              <a:solidFill>
+                <a:srgbClr val="1D252D"/>
+              </a:solidFill>
+              <a:latin typeface="Arial"/>
+            </a:endParaRPr>
+          </a:p>
+          <a:p>
+            <a:pPr defTabSz="1321012"/>
+            <a:r>
+              <a:rPr lang="en-US" sz="1100" dirty="0">
+                <a:solidFill>
+                  <a:srgbClr val="1D252D"/>
+                </a:solidFill>
+                <a:latin typeface="Arial"/>
+              </a:rPr>
+              <a:t>Osamah S. Sarraj - Ahmad A. Alali - Ali H. Alhussain -  Fatimah A. Alamoudi - Haya A. </a:t>
+            </a:r>
+            <a:r>
+              <a:rPr lang="en-US" sz="1100" dirty="0" err="1">
+                <a:solidFill>
+                  <a:srgbClr val="1D252D"/>
+                </a:solidFill>
+                <a:latin typeface="Arial"/>
+              </a:rPr>
+              <a:t>Alkhthran</a:t>
+            </a:r>
+            <a:r>
+              <a:rPr lang="en-US" sz="1100" dirty="0">
+                <a:solidFill>
+                  <a:srgbClr val="1D252D"/>
+                </a:solidFill>
+                <a:latin typeface="Arial"/>
+              </a:rPr>
+              <a:t> - Ibrahim S. </a:t>
+            </a:r>
+            <a:r>
+              <a:rPr lang="en-US" sz="1100" dirty="0" err="1">
+                <a:solidFill>
+                  <a:srgbClr val="1D252D"/>
+                </a:solidFill>
+                <a:latin typeface="Arial"/>
+              </a:rPr>
+              <a:t>AlAtyan</a:t>
+            </a:r>
+            <a:r>
+              <a:rPr lang="en-US" sz="1100" dirty="0">
+                <a:solidFill>
+                  <a:srgbClr val="1D252D"/>
+                </a:solidFill>
+                <a:latin typeface="Arial"/>
+              </a:rPr>
+              <a:t> - Lana A. </a:t>
+            </a:r>
+            <a:r>
+              <a:rPr lang="en-US" sz="1100" dirty="0" err="1">
+                <a:solidFill>
+                  <a:srgbClr val="1D252D"/>
+                </a:solidFill>
+                <a:latin typeface="Arial"/>
+              </a:rPr>
+              <a:t>Alruhaimi</a:t>
+            </a:r>
+            <a:r>
+              <a:rPr lang="en-US" sz="1100" dirty="0">
+                <a:solidFill>
+                  <a:srgbClr val="1D252D"/>
+                </a:solidFill>
+                <a:latin typeface="Arial"/>
+              </a:rPr>
+              <a:t> - Razan Z. </a:t>
+            </a:r>
+            <a:r>
+              <a:rPr lang="en-US" sz="1100" dirty="0" err="1">
+                <a:solidFill>
+                  <a:srgbClr val="1D252D"/>
+                </a:solidFill>
+                <a:latin typeface="Arial"/>
+              </a:rPr>
+              <a:t>AlKhalaqi</a:t>
+            </a:r>
+            <a:r>
+              <a:rPr lang="en-US" sz="1100" dirty="0">
+                <a:solidFill>
+                  <a:srgbClr val="1D252D"/>
+                </a:solidFill>
+                <a:latin typeface="Arial"/>
+              </a:rPr>
+              <a:t> - Waref A. Alyousef.</a:t>
             </a:r>
           </a:p>
         </p:txBody>
@@ -15725,26 +15625,17 @@
           <a:p>
             <a:pPr algn="ctr" defTabSz="1321012"/>
             <a:r>
-              <a:rPr lang="en-US" sz="1049" b="1" dirty="0" smtClean="0">
+              <a:rPr lang="en-US" sz="1049" b="1" dirty="0">
                 <a:solidFill>
                   <a:srgbClr val="FF0000"/>
                 </a:solidFill>
                 <a:latin typeface="Arial"/>
               </a:rPr>
-              <a:t>BE Weekly </a:t>
+              <a:t>Week </a:t>
             </a:r>
           </a:p>
           <a:p>
             <a:pPr algn="ctr" defTabSz="1321012"/>
-            <a:r>
-              <a:rPr lang="en-US" sz="1049" b="1" dirty="0" smtClean="0">
-                <a:solidFill>
-                  <a:srgbClr val="FF0000"/>
-                </a:solidFill>
-                <a:latin typeface="Arial"/>
-              </a:rPr>
-              <a:t>Management</a:t>
-            </a:r>
             <a:endParaRPr lang="en-US" sz="1049" b="1" dirty="0">
               <a:solidFill>
                 <a:srgbClr val="FF0000"/>
@@ -15755,20 +15646,14 @@
           <a:p>
             <a:pPr algn="ctr" defTabSz="1321012"/>
             <a:r>
-              <a:rPr lang="en-US" sz="1049" b="1" dirty="0" smtClean="0">
+              <a:rPr lang="en-US" sz="1049" b="1" dirty="0">
                 <a:solidFill>
                   <a:srgbClr val="FF0000"/>
                 </a:solidFill>
                 <a:latin typeface="Arial"/>
               </a:rPr>
-              <a:t>#6</a:t>
-            </a:r>
-            <a:endParaRPr lang="en-US" sz="1049" b="1" dirty="0">
-              <a:solidFill>
-                <a:srgbClr val="FF0000"/>
-              </a:solidFill>
-              <a:latin typeface="Arial"/>
-            </a:endParaRPr>
+              <a:t># 2</a:t>
+            </a:r>
           </a:p>
         </p:txBody>
       </p:sp>
@@ -15899,7 +15784,7 @@
           <p:nvPr/>
         </p:nvPicPr>
         <p:blipFill>
-          <a:blip r:embed="rId8" cstate="print">
+          <a:blip r:embed="rId7" cstate="print">
             <a:extLst>
               <a:ext uri="{28A0092B-C50C-407E-A947-70E740481C1C}">
                 <a14:useLocalDpi xmlns:a14="http://schemas.microsoft.com/office/drawing/2010/main" val="0"/>
@@ -15940,14 +15825,14 @@
           <p:nvPr>
             <p:extLst>
               <p:ext uri="{D42A27DB-BD31-4B8C-83A1-F6EECF244321}">
-                <p14:modId xmlns:p14="http://schemas.microsoft.com/office/powerpoint/2010/main" val="2652427607"/>
+                <p14:modId xmlns:p14="http://schemas.microsoft.com/office/powerpoint/2010/main" val="229365885"/>
               </p:ext>
             </p:extLst>
           </p:nvPr>
         </p:nvGraphicFramePr>
         <p:xfrm>
-          <a:off x="23742" y="3583915"/>
-          <a:ext cx="6820404" cy="2931160"/>
+          <a:off x="27399" y="3567756"/>
+          <a:ext cx="6820404" cy="3865880"/>
         </p:xfrm>
         <a:graphic>
           <a:graphicData uri="http://schemas.openxmlformats.org/drawingml/2006/table">
@@ -16006,6 +15891,26 @@
                           <a:spcPts val="0"/>
                         </a:spcAft>
                       </a:pPr>
+                      <a:r>
+                        <a:rPr lang="en-US" sz="1200" b="1" dirty="0">
+                          <a:solidFill>
+                            <a:schemeClr val="tx1"/>
+                          </a:solidFill>
+                          <a:effectLst/>
+                          <a:latin typeface="Calibri" panose="020F0502020204030204" pitchFamily="34" charset="0"/>
+                        </a:rPr>
+                        <a:t>Notes from last week’s work</a:t>
+                      </a:r>
+                    </a:p>
+                    <a:p>
+                      <a:pPr marL="0" marR="0" fontAlgn="t">
+                        <a:spcBef>
+                          <a:spcPts val="0"/>
+                        </a:spcBef>
+                        <a:spcAft>
+                          <a:spcPts val="0"/>
+                        </a:spcAft>
+                      </a:pPr>
                       <a:endParaRPr lang="en-US" sz="1200" b="1" dirty="0">
                         <a:solidFill>
                           <a:schemeClr val="tx1"/>
@@ -16013,6 +15918,131 @@
                         <a:effectLst/>
                         <a:latin typeface="Calibri" panose="020F0502020204030204" pitchFamily="34" charset="0"/>
                       </a:endParaRPr>
+                    </a:p>
+                    <a:p>
+                      <a:pPr marL="0" marR="0" fontAlgn="t">
+                        <a:spcBef>
+                          <a:spcPts val="0"/>
+                        </a:spcBef>
+                        <a:spcAft>
+                          <a:spcPts val="0"/>
+                        </a:spcAft>
+                      </a:pPr>
+                      <a:endParaRPr lang="en-US" sz="1200" b="1" dirty="0">
+                        <a:solidFill>
+                          <a:schemeClr val="tx1"/>
+                        </a:solidFill>
+                        <a:effectLst/>
+                        <a:latin typeface="Calibri" panose="020F0502020204030204" pitchFamily="34" charset="0"/>
+                      </a:endParaRPr>
+                    </a:p>
+                    <a:p>
+                      <a:pPr marL="0" marR="0" fontAlgn="t">
+                        <a:spcBef>
+                          <a:spcPts val="0"/>
+                        </a:spcBef>
+                        <a:spcAft>
+                          <a:spcPts val="0"/>
+                        </a:spcAft>
+                      </a:pPr>
+                      <a:endParaRPr lang="en-US" sz="1200" b="1" dirty="0">
+                        <a:solidFill>
+                          <a:schemeClr val="tx1"/>
+                        </a:solidFill>
+                        <a:effectLst/>
+                        <a:latin typeface="Calibri" panose="020F0502020204030204" pitchFamily="34" charset="0"/>
+                      </a:endParaRPr>
+                    </a:p>
+                    <a:p>
+                      <a:pPr marL="0" marR="0" fontAlgn="t">
+                        <a:spcBef>
+                          <a:spcPts val="0"/>
+                        </a:spcBef>
+                        <a:spcAft>
+                          <a:spcPts val="0"/>
+                        </a:spcAft>
+                      </a:pPr>
+                      <a:r>
+                        <a:rPr lang="en-US" sz="1200" b="1" dirty="0">
+                          <a:solidFill>
+                            <a:schemeClr val="tx1"/>
+                          </a:solidFill>
+                          <a:effectLst/>
+                          <a:latin typeface="Calibri" panose="020F0502020204030204" pitchFamily="34" charset="0"/>
+                        </a:rPr>
+                        <a:t>Next week agenda</a:t>
+                      </a:r>
+                    </a:p>
+                    <a:p>
+                      <a:pPr marL="0" marR="0" fontAlgn="t">
+                        <a:spcBef>
+                          <a:spcPts val="0"/>
+                        </a:spcBef>
+                        <a:spcAft>
+                          <a:spcPts val="0"/>
+                        </a:spcAft>
+                      </a:pPr>
+                      <a:endParaRPr lang="en-US" sz="1200" b="1" dirty="0">
+                        <a:solidFill>
+                          <a:schemeClr val="tx1"/>
+                        </a:solidFill>
+                        <a:effectLst/>
+                        <a:latin typeface="Calibri" panose="020F0502020204030204" pitchFamily="34" charset="0"/>
+                      </a:endParaRPr>
+                    </a:p>
+                    <a:p>
+                      <a:pPr marL="0" marR="0" fontAlgn="t">
+                        <a:spcBef>
+                          <a:spcPts val="0"/>
+                        </a:spcBef>
+                        <a:spcAft>
+                          <a:spcPts val="0"/>
+                        </a:spcAft>
+                      </a:pPr>
+                      <a:endParaRPr lang="en-US" sz="1200" b="1" dirty="0">
+                        <a:solidFill>
+                          <a:schemeClr val="tx1"/>
+                        </a:solidFill>
+                        <a:effectLst/>
+                        <a:latin typeface="Calibri" panose="020F0502020204030204" pitchFamily="34" charset="0"/>
+                      </a:endParaRPr>
+                    </a:p>
+                    <a:p>
+                      <a:pPr marL="0" marR="0" fontAlgn="t">
+                        <a:spcBef>
+                          <a:spcPts val="0"/>
+                        </a:spcBef>
+                        <a:spcAft>
+                          <a:spcPts val="0"/>
+                        </a:spcAft>
+                      </a:pPr>
+                      <a:endParaRPr lang="en-US" sz="1200" b="1" dirty="0">
+                        <a:solidFill>
+                          <a:schemeClr val="tx1"/>
+                        </a:solidFill>
+                        <a:effectLst/>
+                        <a:latin typeface="Calibri" panose="020F0502020204030204" pitchFamily="34" charset="0"/>
+                      </a:endParaRPr>
+                    </a:p>
+                    <a:p>
+                      <a:pPr marL="0" marR="0" fontAlgn="t">
+                        <a:spcBef>
+                          <a:spcPts val="0"/>
+                        </a:spcBef>
+                        <a:spcAft>
+                          <a:spcPts val="0"/>
+                        </a:spcAft>
+                      </a:pPr>
+                      <a:r>
+                        <a:rPr lang="en-US" sz="1200" b="1" dirty="0">
+                          <a:solidFill>
+                            <a:schemeClr val="tx1"/>
+                          </a:solidFill>
+                          <a:effectLst/>
+                          <a:latin typeface="Calibri" panose="020F0502020204030204" pitchFamily="34" charset="0"/>
+                        </a:rPr>
+                        <a:t>Prober way to write code</a:t>
+                      </a:r>
                     </a:p>
                   </a:txBody>
                   <a:tcPr marL="50800" marR="50800" marT="50800" marB="50800">
@@ -16153,13 +16183,36 @@
                           <a:spcPts val="0"/>
                         </a:spcAft>
                       </a:pPr>
-                      <a:endParaRPr lang="en-US" sz="1200" b="0" dirty="0">
-                        <a:solidFill>
-                          <a:schemeClr val="tx1"/>
-                        </a:solidFill>
-                        <a:effectLst/>
-                        <a:latin typeface="Calibri" panose="020F0502020204030204" pitchFamily="34" charset="0"/>
-                      </a:endParaRPr>
+                      <a:r>
+                        <a:rPr lang="en-US" sz="1200" b="0" dirty="0">
+                          <a:solidFill>
+                            <a:schemeClr val="tx1"/>
+                          </a:solidFill>
+                          <a:effectLst/>
+                          <a:latin typeface="Calibri" panose="020F0502020204030204" pitchFamily="34" charset="0"/>
+                        </a:rPr>
+                        <a:t>Make file name as clear as possible– create a table of </a:t>
+                      </a:r>
+                      <a:r>
+                        <a:rPr lang="en-US" sz="1200" b="0" dirty="0" err="1">
+                          <a:solidFill>
+                            <a:schemeClr val="tx1"/>
+                          </a:solidFill>
+                          <a:effectLst/>
+                          <a:latin typeface="Calibri" panose="020F0502020204030204" pitchFamily="34" charset="0"/>
+                        </a:rPr>
+                        <a:t>apprivaiations</a:t>
+                      </a:r>
+                      <a:r>
+                        <a:rPr lang="en-US" sz="1200" b="0" dirty="0">
+                          <a:solidFill>
+                            <a:schemeClr val="tx1"/>
+                          </a:solidFill>
+                          <a:effectLst/>
+                          <a:latin typeface="Calibri" panose="020F0502020204030204" pitchFamily="34" charset="0"/>
+                        </a:rPr>
+                        <a:t> – send files as pdf – cite your references – use indention properly in your file. </a:t>
+                      </a:r>
                     </a:p>
                   </a:txBody>
                   <a:tcPr marL="50800" marR="50800" marT="50800" marB="50800">
@@ -16225,13 +16278,16 @@
                           <a:spcPts val="0"/>
                         </a:spcAft>
                       </a:pPr>
-                      <a:endParaRPr lang="en-US" sz="1200" b="0" dirty="0">
-                        <a:solidFill>
-                          <a:schemeClr val="tx1"/>
-                        </a:solidFill>
-                        <a:effectLst/>
-                        <a:latin typeface="Calibri" panose="020F0502020204030204" pitchFamily="34" charset="0"/>
-                      </a:endParaRPr>
+                      <a:r>
+                        <a:rPr lang="en-US" sz="1200" b="0" dirty="0">
+                          <a:solidFill>
+                            <a:schemeClr val="tx1"/>
+                          </a:solidFill>
+                          <a:effectLst/>
+                          <a:latin typeface="Calibri" panose="020F0502020204030204" pitchFamily="34" charset="0"/>
+                        </a:rPr>
+                        <a:t> All</a:t>
+                      </a:r>
                     </a:p>
                   </a:txBody>
                   <a:tcPr marL="50800" marR="50800" marT="50800" marB="50800">
@@ -16532,10 +16588,13 @@
                         <a:tabLst/>
                         <a:defRPr/>
                       </a:pPr>
-                      <a:endParaRPr lang="en-US" sz="1200" dirty="0" smtClean="0">
-                        <a:effectLst/>
-                        <a:latin typeface="Calibri" panose="020F0502020204030204" pitchFamily="34" charset="0"/>
-                      </a:endParaRPr>
+                      <a:r>
+                        <a:rPr lang="en-US" sz="1200" dirty="0">
+                          <a:effectLst/>
+                          <a:latin typeface="Calibri" panose="020F0502020204030204" pitchFamily="34" charset="0"/>
+                        </a:rPr>
+                        <a:t>AI work in teams learn more about AI in general and learn how to handle dataset in excel - BA collect requirements from client also info about them and it only be hour and  half.</a:t>
+                      </a:r>
                     </a:p>
                   </a:txBody>
                   <a:tcPr marL="50800" marR="50800" marT="50800" marB="50800">
@@ -16610,13 +16669,16 @@
                         <a:tabLst/>
                         <a:defRPr/>
                       </a:pPr>
-                      <a:endParaRPr lang="en-US" sz="1200" b="0" dirty="0" smtClean="0">
-                        <a:solidFill>
-                          <a:schemeClr val="tx1"/>
-                        </a:solidFill>
-                        <a:effectLst/>
-                        <a:latin typeface="Calibri" panose="020F0502020204030204" pitchFamily="34" charset="0"/>
-                      </a:endParaRPr>
+                      <a:r>
+                        <a:rPr lang="en-US" sz="1200" b="0" dirty="0">
+                          <a:solidFill>
+                            <a:schemeClr val="tx1"/>
+                          </a:solidFill>
+                          <a:effectLst/>
+                          <a:latin typeface="Calibri" panose="020F0502020204030204" pitchFamily="34" charset="0"/>
+                        </a:rPr>
+                        <a:t>All</a:t>
+                      </a:r>
                     </a:p>
                   </a:txBody>
                   <a:tcPr marL="50800" marR="50800" marT="50800" marB="50800">
@@ -16691,7 +16753,7 @@
                         <a:tabLst/>
                         <a:defRPr/>
                       </a:pPr>
-                      <a:endParaRPr lang="en-US" sz="1200" dirty="0" smtClean="0">
+                      <a:endParaRPr lang="en-US" sz="1200" dirty="0">
                         <a:effectLst/>
                         <a:latin typeface="Calibri" panose="020F0502020204030204" pitchFamily="34" charset="0"/>
                       </a:endParaRPr>
@@ -16908,10 +16970,27 @@
                           <a:spcPts val="0"/>
                         </a:spcAft>
                       </a:pPr>
-                      <a:endParaRPr lang="en-US" sz="1200" dirty="0">
-                        <a:effectLst/>
-                        <a:latin typeface="Calibri" panose="020F0502020204030204" pitchFamily="34" charset="0"/>
-                      </a:endParaRPr>
+                      <a:r>
+                        <a:rPr lang="en-US" sz="1200" dirty="0">
+                          <a:effectLst/>
+                          <a:latin typeface="Calibri" panose="020F0502020204030204" pitchFamily="34" charset="0"/>
+                        </a:rPr>
+                        <a:t>Put informative comments – use annotations and config class – use </a:t>
+                      </a:r>
+                      <a:r>
+                        <a:rPr lang="en-US" sz="1200" dirty="0" err="1">
+                          <a:effectLst/>
+                          <a:latin typeface="Calibri" panose="020F0502020204030204" pitchFamily="34" charset="0"/>
+                        </a:rPr>
+                        <a:t>tqdm</a:t>
+                      </a:r>
+                      <a:r>
+                        <a:rPr lang="en-US" sz="1200" dirty="0">
+                          <a:effectLst/>
+                          <a:latin typeface="Calibri" panose="020F0502020204030204" pitchFamily="34" charset="0"/>
+                        </a:rPr>
+                        <a:t> library.</a:t>
+                      </a:r>
                     </a:p>
                   </a:txBody>
                   <a:tcPr marL="50800" marR="50800" marT="50800" marB="50800">
@@ -16986,13 +17065,16 @@
                         <a:tabLst/>
                         <a:defRPr/>
                       </a:pPr>
-                      <a:endParaRPr lang="en-US" sz="1200" b="0" dirty="0" smtClean="0">
-                        <a:solidFill>
-                          <a:schemeClr val="tx1"/>
-                        </a:solidFill>
-                        <a:effectLst/>
-                        <a:latin typeface="Calibri" panose="020F0502020204030204" pitchFamily="34" charset="0"/>
-                      </a:endParaRPr>
+                      <a:r>
+                        <a:rPr lang="en-US" sz="1200" b="0" dirty="0">
+                          <a:solidFill>
+                            <a:schemeClr val="tx1"/>
+                          </a:solidFill>
+                          <a:effectLst/>
+                          <a:latin typeface="Calibri" panose="020F0502020204030204" pitchFamily="34" charset="0"/>
+                        </a:rPr>
+                        <a:t>All</a:t>
+                      </a:r>
                     </a:p>
                   </a:txBody>
                   <a:tcPr marL="50800" marR="50800" marT="50800" marB="50800">
@@ -17067,7 +17149,7 @@
                         <a:tabLst/>
                         <a:defRPr/>
                       </a:pPr>
-                      <a:endParaRPr lang="en-US" sz="1200" b="0" dirty="0" smtClean="0">
+                      <a:endParaRPr lang="en-US" sz="1200" b="0" dirty="0">
                         <a:solidFill>
                           <a:schemeClr val="tx1"/>
                         </a:solidFill>
@@ -17294,7 +17376,7 @@
                         <a:tabLst/>
                         <a:defRPr/>
                       </a:pPr>
-                      <a:endParaRPr lang="en-US" sz="1200" b="0" dirty="0" smtClean="0">
+                      <a:endParaRPr lang="en-US" sz="1200" b="0" dirty="0">
                         <a:solidFill>
                           <a:schemeClr val="tx1"/>
                         </a:solidFill>
@@ -17375,7 +17457,7 @@
                         <a:tabLst/>
                         <a:defRPr/>
                       </a:pPr>
-                      <a:endParaRPr lang="en-US" sz="1200" b="0" dirty="0" smtClean="0">
+                      <a:endParaRPr lang="en-US" sz="1200" b="0" dirty="0">
                         <a:solidFill>
                           <a:schemeClr val="tx1"/>
                         </a:solidFill>
@@ -17456,7 +17538,7 @@
                         <a:tabLst/>
                         <a:defRPr/>
                       </a:pPr>
-                      <a:endParaRPr lang="en-US" sz="1200" b="0" dirty="0" smtClean="0">
+                      <a:endParaRPr lang="en-US" sz="1200" b="0" dirty="0">
                         <a:solidFill>
                           <a:schemeClr val="tx1"/>
                         </a:solidFill>
@@ -17685,7 +17767,7 @@
                         <a:tabLst/>
                         <a:defRPr/>
                       </a:pPr>
-                      <a:endParaRPr lang="en-US" sz="1200" dirty="0" smtClean="0">
+                      <a:endParaRPr lang="en-US" sz="1200" dirty="0">
                         <a:effectLst/>
                         <a:latin typeface="Calibri" panose="020F0502020204030204" pitchFamily="34" charset="0"/>
                       </a:endParaRPr>
@@ -17763,7 +17845,7 @@
                         <a:tabLst/>
                         <a:defRPr/>
                       </a:pPr>
-                      <a:endParaRPr lang="en-US" sz="1200" dirty="0" smtClean="0">
+                      <a:endParaRPr lang="en-US" sz="1200" dirty="0">
                         <a:effectLst/>
                         <a:latin typeface="Calibri" panose="020F0502020204030204" pitchFamily="34" charset="0"/>
                       </a:endParaRPr>
@@ -17978,7 +18060,7 @@
                         </a:spcAft>
                       </a:pPr>
                       <a:r>
-                        <a:rPr lang="en-US" sz="1200" smtClean="0">
+                        <a:rPr lang="en-US" sz="1200">
                           <a:effectLst/>
                           <a:latin typeface="Calibri" panose="020F0502020204030204" pitchFamily="34" charset="0"/>
                         </a:rPr>
@@ -18200,7 +18282,7 @@
                         <a:tabLst/>
                         <a:defRPr/>
                       </a:pPr>
-                      <a:endParaRPr lang="en-US" sz="1200" dirty="0" smtClean="0">
+                      <a:endParaRPr lang="en-US" sz="1200" dirty="0">
                         <a:effectLst/>
                         <a:latin typeface="Calibri" panose="020F0502020204030204" pitchFamily="34" charset="0"/>
                       </a:endParaRPr>
@@ -18623,7 +18705,7 @@
         <p:spPr>
           <a:xfrm>
             <a:off x="5" y="2282746"/>
-            <a:ext cx="2660728" cy="600164"/>
+            <a:ext cx="1610008" cy="600164"/>
           </a:xfrm>
           <a:prstGeom prst="rect">
             <a:avLst/>
@@ -18644,25 +18726,19 @@
                 </a:solidFill>
                 <a:latin typeface="Arial"/>
               </a:rPr>
-              <a:t>Date: </a:t>
-            </a:r>
-            <a:endParaRPr lang="en-US" sz="1100" b="1" dirty="0" smtClean="0">
-              <a:solidFill>
-                <a:srgbClr val="1D252D"/>
-              </a:solidFill>
-              <a:latin typeface="Arial"/>
-            </a:endParaRPr>
+              <a:t>Date: 17/9/2025</a:t>
+            </a:r>
           </a:p>
           <a:p>
             <a:pPr defTabSz="1321012"/>
             <a:r>
-              <a:rPr lang="en-US" sz="1100" b="1" dirty="0" smtClean="0">
+              <a:rPr lang="en-US" sz="1100" b="1" dirty="0">
                 <a:solidFill>
                   <a:srgbClr val="1D252D"/>
                 </a:solidFill>
                 <a:latin typeface="Arial"/>
               </a:rPr>
-              <a:t>Time:</a:t>
+              <a:t>Time:3:00-3:40</a:t>
             </a:r>
             <a:endParaRPr lang="en-US" sz="1100" dirty="0">
               <a:solidFill>
@@ -18755,14 +18831,270 @@
       </p:cxnSp>
       <p:sp>
         <p:nvSpPr>
-          <p:cNvPr id="3" name="TextBox 2"/>
+          <p:cNvPr id="4" name="Trapezoid 6">
+            <a:extLst>
+              <a:ext uri="{FF2B5EF4-FFF2-40B4-BE49-F238E27FC236}">
+                <a16:creationId xmlns:a16="http://schemas.microsoft.com/office/drawing/2014/main" id="{2FE0EF24-59F0-1B3B-A186-19EDF468CB5F}"/>
+              </a:ext>
+            </a:extLst>
+          </p:cNvPr>
+          <p:cNvSpPr/>
+          <p:nvPr/>
+        </p:nvSpPr>
+        <p:spPr>
+          <a:xfrm rot="16200000">
+            <a:off x="-93345" y="7666957"/>
+            <a:ext cx="600166" cy="350698"/>
+          </a:xfrm>
+          <a:custGeom>
+            <a:avLst/>
+            <a:gdLst>
+              <a:gd name="connsiteX0" fmla="*/ 0 w 2021205"/>
+              <a:gd name="connsiteY0" fmla="*/ 771516 h 771516"/>
+              <a:gd name="connsiteX1" fmla="*/ 192879 w 2021205"/>
+              <a:gd name="connsiteY1" fmla="*/ 0 h 771516"/>
+              <a:gd name="connsiteX2" fmla="*/ 1828326 w 2021205"/>
+              <a:gd name="connsiteY2" fmla="*/ 0 h 771516"/>
+              <a:gd name="connsiteX3" fmla="*/ 2021205 w 2021205"/>
+              <a:gd name="connsiteY3" fmla="*/ 771516 h 771516"/>
+              <a:gd name="connsiteX4" fmla="*/ 0 w 2021205"/>
+              <a:gd name="connsiteY4" fmla="*/ 771516 h 771516"/>
+              <a:gd name="connsiteX0" fmla="*/ 0 w 3282803"/>
+              <a:gd name="connsiteY0" fmla="*/ 778395 h 778395"/>
+              <a:gd name="connsiteX1" fmla="*/ 1454477 w 3282803"/>
+              <a:gd name="connsiteY1" fmla="*/ 0 h 778395"/>
+              <a:gd name="connsiteX2" fmla="*/ 3089924 w 3282803"/>
+              <a:gd name="connsiteY2" fmla="*/ 0 h 778395"/>
+              <a:gd name="connsiteX3" fmla="*/ 3282803 w 3282803"/>
+              <a:gd name="connsiteY3" fmla="*/ 771516 h 778395"/>
+              <a:gd name="connsiteX4" fmla="*/ 0 w 3282803"/>
+              <a:gd name="connsiteY4" fmla="*/ 778395 h 778395"/>
+              <a:gd name="connsiteX0" fmla="*/ 0 w 4534087"/>
+              <a:gd name="connsiteY0" fmla="*/ 778395 h 778395"/>
+              <a:gd name="connsiteX1" fmla="*/ 1454477 w 4534087"/>
+              <a:gd name="connsiteY1" fmla="*/ 0 h 778395"/>
+              <a:gd name="connsiteX2" fmla="*/ 3089924 w 4534087"/>
+              <a:gd name="connsiteY2" fmla="*/ 0 h 778395"/>
+              <a:gd name="connsiteX3" fmla="*/ 4534087 w 4534087"/>
+              <a:gd name="connsiteY3" fmla="*/ 771516 h 778395"/>
+              <a:gd name="connsiteX4" fmla="*/ 0 w 4534087"/>
+              <a:gd name="connsiteY4" fmla="*/ 778395 h 778395"/>
+              <a:gd name="connsiteX0" fmla="*/ 0 w 3991547"/>
+              <a:gd name="connsiteY0" fmla="*/ 698525 h 771516"/>
+              <a:gd name="connsiteX1" fmla="*/ 911937 w 3991547"/>
+              <a:gd name="connsiteY1" fmla="*/ 0 h 771516"/>
+              <a:gd name="connsiteX2" fmla="*/ 2547384 w 3991547"/>
+              <a:gd name="connsiteY2" fmla="*/ 0 h 771516"/>
+              <a:gd name="connsiteX3" fmla="*/ 3991547 w 3991547"/>
+              <a:gd name="connsiteY3" fmla="*/ 771516 h 771516"/>
+              <a:gd name="connsiteX4" fmla="*/ 0 w 3991547"/>
+              <a:gd name="connsiteY4" fmla="*/ 698525 h 771516"/>
+              <a:gd name="connsiteX0" fmla="*/ 0 w 3653340"/>
+              <a:gd name="connsiteY0" fmla="*/ 698529 h 771516"/>
+              <a:gd name="connsiteX1" fmla="*/ 573730 w 3653340"/>
+              <a:gd name="connsiteY1" fmla="*/ 0 h 771516"/>
+              <a:gd name="connsiteX2" fmla="*/ 2209177 w 3653340"/>
+              <a:gd name="connsiteY2" fmla="*/ 0 h 771516"/>
+              <a:gd name="connsiteX3" fmla="*/ 3653340 w 3653340"/>
+              <a:gd name="connsiteY3" fmla="*/ 771516 h 771516"/>
+              <a:gd name="connsiteX4" fmla="*/ 0 w 3653340"/>
+              <a:gd name="connsiteY4" fmla="*/ 698529 h 771516"/>
+              <a:gd name="connsiteX0" fmla="*/ 0 w 2540076"/>
+              <a:gd name="connsiteY0" fmla="*/ 698529 h 707619"/>
+              <a:gd name="connsiteX1" fmla="*/ 573730 w 2540076"/>
+              <a:gd name="connsiteY1" fmla="*/ 0 h 707619"/>
+              <a:gd name="connsiteX2" fmla="*/ 2209177 w 2540076"/>
+              <a:gd name="connsiteY2" fmla="*/ 0 h 707619"/>
+              <a:gd name="connsiteX3" fmla="*/ 2540076 w 2540076"/>
+              <a:gd name="connsiteY3" fmla="*/ 707619 h 707619"/>
+              <a:gd name="connsiteX4" fmla="*/ 0 w 2540076"/>
+              <a:gd name="connsiteY4" fmla="*/ 698529 h 707619"/>
+              <a:gd name="connsiteX0" fmla="*/ 0 w 2540076"/>
+              <a:gd name="connsiteY0" fmla="*/ 714503 h 723593"/>
+              <a:gd name="connsiteX1" fmla="*/ 376443 w 2540076"/>
+              <a:gd name="connsiteY1" fmla="*/ 0 h 723593"/>
+              <a:gd name="connsiteX2" fmla="*/ 2209177 w 2540076"/>
+              <a:gd name="connsiteY2" fmla="*/ 15974 h 723593"/>
+              <a:gd name="connsiteX3" fmla="*/ 2540076 w 2540076"/>
+              <a:gd name="connsiteY3" fmla="*/ 723593 h 723593"/>
+              <a:gd name="connsiteX4" fmla="*/ 0 w 2540076"/>
+              <a:gd name="connsiteY4" fmla="*/ 714503 h 723593"/>
+            </a:gdLst>
+            <a:ahLst/>
+            <a:cxnLst>
+              <a:cxn ang="0">
+                <a:pos x="connsiteX0" y="connsiteY0"/>
+              </a:cxn>
+              <a:cxn ang="0">
+                <a:pos x="connsiteX1" y="connsiteY1"/>
+              </a:cxn>
+              <a:cxn ang="0">
+                <a:pos x="connsiteX2" y="connsiteY2"/>
+              </a:cxn>
+              <a:cxn ang="0">
+                <a:pos x="connsiteX3" y="connsiteY3"/>
+              </a:cxn>
+              <a:cxn ang="0">
+                <a:pos x="connsiteX4" y="connsiteY4"/>
+              </a:cxn>
+            </a:cxnLst>
+            <a:rect l="l" t="t" r="r" b="b"/>
+            <a:pathLst>
+              <a:path w="2540076" h="723593">
+                <a:moveTo>
+                  <a:pt x="0" y="714503"/>
+                </a:moveTo>
+                <a:lnTo>
+                  <a:pt x="376443" y="0"/>
+                </a:lnTo>
+                <a:lnTo>
+                  <a:pt x="2209177" y="15974"/>
+                </a:lnTo>
+                <a:lnTo>
+                  <a:pt x="2540076" y="723593"/>
+                </a:lnTo>
+                <a:lnTo>
+                  <a:pt x="0" y="714503"/>
+                </a:lnTo>
+                <a:close/>
+              </a:path>
+            </a:pathLst>
+          </a:custGeom>
+          <a:gradFill>
+            <a:gsLst>
+              <a:gs pos="100000">
+                <a:schemeClr val="accent5">
+                  <a:lumMod val="20000"/>
+                  <a:lumOff val="80000"/>
+                </a:schemeClr>
+              </a:gs>
+              <a:gs pos="0">
+                <a:srgbClr val="F2F2F2"/>
+              </a:gs>
+            </a:gsLst>
+            <a:lin ang="5400000" scaled="1"/>
+          </a:gradFill>
+          <a:ln>
+            <a:noFill/>
+          </a:ln>
+        </p:spPr>
+        <p:style>
+          <a:lnRef idx="2">
+            <a:schemeClr val="accent1">
+              <a:shade val="50000"/>
+            </a:schemeClr>
+          </a:lnRef>
+          <a:fillRef idx="1">
+            <a:schemeClr val="accent1"/>
+          </a:fillRef>
+          <a:effectRef idx="0">
+            <a:schemeClr val="accent1"/>
+          </a:effectRef>
+          <a:fontRef idx="minor">
+            <a:schemeClr val="lt1"/>
+          </a:fontRef>
+        </p:style>
+        <p:txBody>
+          <a:bodyPr rtlCol="0" anchor="ctr"/>
+          <a:lstStyle/>
+          <a:p>
+            <a:pPr algn="ctr" defTabSz="1321012">
+              <a:defRPr/>
+            </a:pPr>
+            <a:endParaRPr lang="en-US" sz="2600">
+              <a:solidFill>
+                <a:prstClr val="white"/>
+              </a:solidFill>
+              <a:latin typeface="Calibri"/>
+            </a:endParaRPr>
+          </a:p>
+        </p:txBody>
+      </p:sp>
+      <p:sp>
+        <p:nvSpPr>
+          <p:cNvPr id="6" name="Rectangle 5">
+            <a:extLst>
+              <a:ext uri="{FF2B5EF4-FFF2-40B4-BE49-F238E27FC236}">
+                <a16:creationId xmlns:a16="http://schemas.microsoft.com/office/drawing/2014/main" id="{54BE6C84-FA83-2A3D-89AC-6D9E89F04AEF}"/>
+              </a:ext>
+            </a:extLst>
+          </p:cNvPr>
+          <p:cNvSpPr/>
+          <p:nvPr/>
+        </p:nvSpPr>
+        <p:spPr>
+          <a:xfrm>
+            <a:off x="414549" y="7542223"/>
+            <a:ext cx="4803461" cy="603375"/>
+          </a:xfrm>
+          <a:prstGeom prst="rect">
+            <a:avLst/>
+          </a:prstGeom>
+          <a:solidFill>
+            <a:schemeClr val="bg1"/>
+          </a:solidFill>
+          <a:ln>
+            <a:solidFill>
+              <a:srgbClr val="8E9AA0"/>
+            </a:solidFill>
+          </a:ln>
+        </p:spPr>
+        <p:style>
+          <a:lnRef idx="2">
+            <a:schemeClr val="accent1">
+              <a:shade val="50000"/>
+            </a:schemeClr>
+          </a:lnRef>
+          <a:fillRef idx="1">
+            <a:schemeClr val="accent1"/>
+          </a:fillRef>
+          <a:effectRef idx="0">
+            <a:schemeClr val="accent1"/>
+          </a:effectRef>
+          <a:fontRef idx="minor">
+            <a:schemeClr val="lt1"/>
+          </a:fontRef>
+        </p:style>
+        <p:txBody>
+          <a:bodyPr rot="0" spcFirstLastPara="0" vertOverflow="overflow" horzOverflow="overflow" vert="horz" wrap="square" lIns="132080" tIns="66040" rIns="132080" bIns="66040" numCol="1" spcCol="0" rtlCol="0" fromWordArt="0" anchor="ctr" anchorCtr="0" forceAA="0" compatLnSpc="1">
+            <a:prstTxWarp prst="textNoShape">
+              <a:avLst/>
+            </a:prstTxWarp>
+            <a:noAutofit/>
+          </a:bodyPr>
+          <a:lstStyle/>
+          <a:p>
+            <a:endParaRPr lang="en-US" sz="1001" b="1" dirty="0">
+              <a:solidFill>
+                <a:schemeClr val="tx1"/>
+              </a:solidFill>
+            </a:endParaRPr>
+          </a:p>
+          <a:p>
+            <a:endParaRPr lang="en-US" sz="1001" dirty="0">
+              <a:solidFill>
+                <a:schemeClr val="tx1"/>
+              </a:solidFill>
+            </a:endParaRPr>
+          </a:p>
+        </p:txBody>
+      </p:sp>
+      <p:sp>
+        <p:nvSpPr>
+          <p:cNvPr id="7" name="TextBox 6">
+            <a:extLst>
+              <a:ext uri="{FF2B5EF4-FFF2-40B4-BE49-F238E27FC236}">
+                <a16:creationId xmlns:a16="http://schemas.microsoft.com/office/drawing/2014/main" id="{B3EE32E5-106D-6A68-1ADE-661FA4DF3518}"/>
+              </a:ext>
+            </a:extLst>
+          </p:cNvPr>
           <p:cNvSpPr txBox="1"/>
           <p:nvPr/>
         </p:nvSpPr>
         <p:spPr>
           <a:xfrm>
-            <a:off x="98270" y="7361246"/>
-            <a:ext cx="3934058" cy="244682"/>
+            <a:off x="448018" y="7542225"/>
+            <a:ext cx="4837204" cy="600164"/>
           </a:xfrm>
           <a:prstGeom prst="rect">
             <a:avLst/>
@@ -18775,11 +19107,37 @@
           </a:bodyPr>
           <a:lstStyle/>
           <a:p>
-            <a:r>
-              <a:rPr lang="en-US" dirty="0" smtClean="0"/>
-              <a:t>* Items without target date are considered directions </a:t>
-            </a:r>
-            <a:endParaRPr lang="en-US" dirty="0"/>
+            <a:pPr defTabSz="1321012"/>
+            <a:r>
+              <a:rPr lang="en-US" sz="1100" b="1" dirty="0">
+                <a:solidFill>
+                  <a:srgbClr val="1D252D"/>
+                </a:solidFill>
+                <a:latin typeface="Arial"/>
+              </a:rPr>
+              <a:t>Actionable insights</a:t>
+            </a:r>
+            <a:r>
+              <a:rPr lang="en-US" sz="1100" dirty="0">
+                <a:solidFill>
+                  <a:srgbClr val="1D252D"/>
+                </a:solidFill>
+                <a:latin typeface="Arial"/>
+              </a:rPr>
+              <a:t>: </a:t>
+            </a:r>
+          </a:p>
+          <a:p>
+            <a:pPr defTabSz="1321012"/>
+            <a:r>
+              <a:rPr lang="en-US" sz="1100" dirty="0">
+                <a:solidFill>
+                  <a:srgbClr val="1D252D"/>
+                </a:solidFill>
+                <a:latin typeface="Arial"/>
+              </a:rPr>
+              <a:t>1- send emails to Osamah reminding him of what he promised to de in details.</a:t>
+            </a:r>
           </a:p>
         </p:txBody>
       </p:sp>
@@ -18793,13 +19151,6 @@
   <p:clrMapOvr>
     <a:masterClrMapping/>
   </p:clrMapOvr>
-  <p:timing>
-    <p:tnLst>
-      <p:par>
-        <p:cTn id="1" dur="indefinite" restart="never" nodeType="tmRoot"/>
-      </p:par>
-    </p:tnLst>
-  </p:timing>
 </p:sld>
 </file>
 
@@ -19636,6 +19987,15 @@
 </file>
 
 <file path=customXml/item1.xml><?xml version="1.0" encoding="utf-8"?>
+<?mso-contentType ?>
+<FormTemplates xmlns="http://schemas.microsoft.com/sharepoint/v3/contenttype/forms">
+  <Display>DocumentLibraryForm</Display>
+  <Edit>DocumentLibraryForm</Edit>
+  <New>DocumentLibraryForm</New>
+</FormTemplates>
+</file>
+
+<file path=customXml/item2.xml><?xml version="1.0" encoding="utf-8"?>
 <ct:contentTypeSchema xmlns:ct="http://schemas.microsoft.com/office/2006/metadata/contentType" xmlns:ma="http://schemas.microsoft.com/office/2006/metadata/properties/metaAttributes" ct:_="" ma:_="" ma:contentTypeName="Document" ma:contentTypeID="0x010100C5188121A9F49E4D9340A02E77CE466B" ma:contentTypeVersion="14" ma:contentTypeDescription="Create a new document." ma:contentTypeScope="" ma:versionID="ce5864d13b502ffa496c9733f258cf33">
   <xsd:schema xmlns:xsd="http://www.w3.org/2001/XMLSchema" xmlns:xs="http://www.w3.org/2001/XMLSchema" xmlns:p="http://schemas.microsoft.com/office/2006/metadata/properties" xmlns:ns1="http://schemas.microsoft.com/sharepoint/v3" xmlns:ns2="80167f65-9a1e-4e38-b080-1a6dd2522551" xmlns:ns3="d06dfc2a-6199-46b6-81fc-b54ff71cddc7" targetNamespace="http://schemas.microsoft.com/office/2006/metadata/properties" ma:root="true" ma:fieldsID="63ce3d9d05c1a166c28dcfe2a6f85fe6" ns1:_="" ns2:_="" ns3:_="">
     <xsd:import namespace="http://schemas.microsoft.com/sharepoint/v3"/>
@@ -19869,15 +20229,6 @@
 </ct:contentTypeSchema>
 </file>
 
-<file path=customXml/item2.xml><?xml version="1.0" encoding="utf-8"?>
-<?mso-contentType ?>
-<FormTemplates xmlns="http://schemas.microsoft.com/sharepoint/v3/contenttype/forms">
-  <Display>DocumentLibraryForm</Display>
-  <Edit>DocumentLibraryForm</Edit>
-  <New>DocumentLibraryForm</New>
-</FormTemplates>
-</file>
-
 <file path=customXml/item3.xml><?xml version="1.0" encoding="utf-8"?>
 <p:properties xmlns:p="http://schemas.microsoft.com/office/2006/metadata/properties" xmlns:xsi="http://www.w3.org/2001/XMLSchema-instance" xmlns:pc="http://schemas.microsoft.com/office/infopath/2007/PartnerControls">
   <documentManagement>
@@ -19895,6 +20246,14 @@
 </file>
 
 <file path=customXml/itemProps1.xml><?xml version="1.0" encoding="utf-8"?>
+<ds:datastoreItem xmlns:ds="http://schemas.openxmlformats.org/officeDocument/2006/customXml" ds:itemID="{3A56E96B-6B8E-453B-9587-337096CDDAB1}">
+  <ds:schemaRefs>
+    <ds:schemaRef ds:uri="http://schemas.microsoft.com/sharepoint/v3/contenttype/forms"/>
+  </ds:schemaRefs>
+</ds:datastoreItem>
+</file>
+
+<file path=customXml/itemProps2.xml><?xml version="1.0" encoding="utf-8"?>
 <ds:datastoreItem xmlns:ds="http://schemas.openxmlformats.org/officeDocument/2006/customXml" ds:itemID="{B67EC132-A9FE-4995-9761-2D84C5D660A5}">
   <ds:schemaRefs>
     <ds:schemaRef ds:uri="http://schemas.microsoft.com/office/2006/metadata/contentType"/>
@@ -19914,28 +20273,20 @@
 </ds:datastoreItem>
 </file>
 
-<file path=customXml/itemProps2.xml><?xml version="1.0" encoding="utf-8"?>
-<ds:datastoreItem xmlns:ds="http://schemas.openxmlformats.org/officeDocument/2006/customXml" ds:itemID="{3A56E96B-6B8E-453B-9587-337096CDDAB1}">
-  <ds:schemaRefs>
-    <ds:schemaRef ds:uri="http://schemas.microsoft.com/sharepoint/v3/contenttype/forms"/>
-  </ds:schemaRefs>
-</ds:datastoreItem>
-</file>
-
 <file path=customXml/itemProps3.xml><?xml version="1.0" encoding="utf-8"?>
 <ds:datastoreItem xmlns:ds="http://schemas.openxmlformats.org/officeDocument/2006/customXml" ds:itemID="{1250B321-F610-41E1-9F32-4F49FF21FAE8}">
   <ds:schemaRefs>
-    <ds:schemaRef ds:uri="80167f65-9a1e-4e38-b080-1a6dd2522551"/>
+    <ds:schemaRef ds:uri="http://purl.org/dc/dcmitype/"/>
+    <ds:schemaRef ds:uri="http://www.w3.org/XML/1998/namespace"/>
     <ds:schemaRef ds:uri="http://schemas.microsoft.com/office/2006/documentManagement/types"/>
-    <ds:schemaRef ds:uri="http://www.w3.org/XML/1998/namespace"/>
-    <ds:schemaRef ds:uri="http://purl.org/dc/terms/"/>
-    <ds:schemaRef ds:uri="http://purl.org/dc/dcmitype/"/>
-    <ds:schemaRef ds:uri="http://schemas.openxmlformats.org/package/2006/metadata/core-properties"/>
-    <ds:schemaRef ds:uri="http://schemas.microsoft.com/sharepoint/v3"/>
-    <ds:schemaRef ds:uri="http://purl.org/dc/elements/1.1/"/>
-    <ds:schemaRef ds:uri="http://schemas.microsoft.com/office/2006/metadata/properties"/>
     <ds:schemaRef ds:uri="http://schemas.microsoft.com/office/infopath/2007/PartnerControls"/>
     <ds:schemaRef ds:uri="d06dfc2a-6199-46b6-81fc-b54ff71cddc7"/>
+    <ds:schemaRef ds:uri="http://purl.org/dc/elements/1.1/"/>
+    <ds:schemaRef ds:uri="http://purl.org/dc/terms/"/>
+    <ds:schemaRef ds:uri="http://schemas.microsoft.com/sharepoint/v3"/>
+    <ds:schemaRef ds:uri="http://schemas.openxmlformats.org/package/2006/metadata/core-properties"/>
+    <ds:schemaRef ds:uri="80167f65-9a1e-4e38-b080-1a6dd2522551"/>
+    <ds:schemaRef ds:uri="http://schemas.microsoft.com/office/2006/metadata/properties"/>
   </ds:schemaRefs>
 </ds:datastoreItem>
 </file>